--- a/Project Sprint 3 PPT Splash screen.pptx
+++ b/Project Sprint 3 PPT Splash screen.pptx
@@ -104,6 +104,11 @@
       </a:defRPr>
     </a:lvl9pPr>
   </p:defaultTextStyle>
+  <p:extLst>
+    <p:ext uri="{EFAFB233-063F-42B5-8137-9DF3F51BA10A}">
+      <p15:sldGuideLst xmlns:p15="http://schemas.microsoft.com/office/powerpoint/2012/main"/>
+    </p:ext>
+  </p:extLst>
 </p:presentation>
 </file>
 
@@ -277,7 +282,7 @@
           <a:p>
             <a:fld id="{76A8535C-6B30-4996-8AE7-4CC1045F09FB}" type="datetimeFigureOut">
               <a:rPr lang="en-US" smtClean="0"/>
-              <a:t>11/12/2019</a:t>
+              <a:t>11/13/2019</a:t>
             </a:fld>
             <a:endParaRPr lang="en-US"/>
           </a:p>
@@ -549,7 +554,7 @@
           <a:p>
             <a:fld id="{76A8535C-6B30-4996-8AE7-4CC1045F09FB}" type="datetimeFigureOut">
               <a:rPr lang="en-US" smtClean="0"/>
-              <a:t>11/12/2019</a:t>
+              <a:t>11/13/2019</a:t>
             </a:fld>
             <a:endParaRPr lang="en-US"/>
           </a:p>
@@ -780,7 +785,7 @@
           <a:p>
             <a:fld id="{76A8535C-6B30-4996-8AE7-4CC1045F09FB}" type="datetimeFigureOut">
               <a:rPr lang="en-US" smtClean="0"/>
-              <a:t>11/12/2019</a:t>
+              <a:t>11/13/2019</a:t>
             </a:fld>
             <a:endParaRPr lang="en-US"/>
           </a:p>
@@ -1090,7 +1095,7 @@
           <a:p>
             <a:fld id="{76A8535C-6B30-4996-8AE7-4CC1045F09FB}" type="datetimeFigureOut">
               <a:rPr lang="en-US" smtClean="0"/>
-              <a:t>11/12/2019</a:t>
+              <a:t>11/13/2019</a:t>
             </a:fld>
             <a:endParaRPr lang="en-US"/>
           </a:p>
@@ -1563,7 +1568,7 @@
           <a:p>
             <a:fld id="{76A8535C-6B30-4996-8AE7-4CC1045F09FB}" type="datetimeFigureOut">
               <a:rPr lang="en-US" smtClean="0"/>
-              <a:t>11/12/2019</a:t>
+              <a:t>11/13/2019</a:t>
             </a:fld>
             <a:endParaRPr lang="en-US"/>
           </a:p>
@@ -2110,7 +2115,7 @@
           <a:p>
             <a:fld id="{76A8535C-6B30-4996-8AE7-4CC1045F09FB}" type="datetimeFigureOut">
               <a:rPr lang="en-US" smtClean="0"/>
-              <a:t>11/12/2019</a:t>
+              <a:t>11/13/2019</a:t>
             </a:fld>
             <a:endParaRPr lang="en-US"/>
           </a:p>
@@ -2884,7 +2889,7 @@
           <a:p>
             <a:fld id="{76A8535C-6B30-4996-8AE7-4CC1045F09FB}" type="datetimeFigureOut">
               <a:rPr lang="en-US" smtClean="0"/>
-              <a:t>11/12/2019</a:t>
+              <a:t>11/13/2019</a:t>
             </a:fld>
             <a:endParaRPr lang="en-US"/>
           </a:p>
@@ -3059,7 +3064,7 @@
           <a:p>
             <a:fld id="{76A8535C-6B30-4996-8AE7-4CC1045F09FB}" type="datetimeFigureOut">
               <a:rPr lang="en-US" smtClean="0"/>
-              <a:t>11/12/2019</a:t>
+              <a:t>11/13/2019</a:t>
             </a:fld>
             <a:endParaRPr lang="en-US"/>
           </a:p>
@@ -3282,7 +3287,7 @@
           <a:p>
             <a:fld id="{76A8535C-6B30-4996-8AE7-4CC1045F09FB}" type="datetimeFigureOut">
               <a:rPr lang="en-US" smtClean="0"/>
-              <a:t>11/12/2019</a:t>
+              <a:t>11/13/2019</a:t>
             </a:fld>
             <a:endParaRPr lang="en-US"/>
           </a:p>
@@ -3462,7 +3467,7 @@
           <a:p>
             <a:fld id="{76A8535C-6B30-4996-8AE7-4CC1045F09FB}" type="datetimeFigureOut">
               <a:rPr lang="en-US" smtClean="0"/>
-              <a:t>11/12/2019</a:t>
+              <a:t>11/13/2019</a:t>
             </a:fld>
             <a:endParaRPr lang="en-US"/>
           </a:p>
@@ -3751,7 +3756,7 @@
           <a:p>
             <a:fld id="{76A8535C-6B30-4996-8AE7-4CC1045F09FB}" type="datetimeFigureOut">
               <a:rPr lang="en-US" smtClean="0"/>
-              <a:t>11/12/2019</a:t>
+              <a:t>11/13/2019</a:t>
             </a:fld>
             <a:endParaRPr lang="en-US"/>
           </a:p>
@@ -3993,7 +3998,7 @@
           <a:p>
             <a:fld id="{76A8535C-6B30-4996-8AE7-4CC1045F09FB}" type="datetimeFigureOut">
               <a:rPr lang="en-US" smtClean="0"/>
-              <a:t>11/12/2019</a:t>
+              <a:t>11/13/2019</a:t>
             </a:fld>
             <a:endParaRPr lang="en-US"/>
           </a:p>
@@ -4372,7 +4377,7 @@
           <a:p>
             <a:fld id="{76A8535C-6B30-4996-8AE7-4CC1045F09FB}" type="datetimeFigureOut">
               <a:rPr lang="en-US" smtClean="0"/>
-              <a:t>11/12/2019</a:t>
+              <a:t>11/13/2019</a:t>
             </a:fld>
             <a:endParaRPr lang="en-US"/>
           </a:p>
@@ -4490,7 +4495,7 @@
           <a:p>
             <a:fld id="{76A8535C-6B30-4996-8AE7-4CC1045F09FB}" type="datetimeFigureOut">
               <a:rPr lang="en-US" smtClean="0"/>
-              <a:t>11/12/2019</a:t>
+              <a:t>11/13/2019</a:t>
             </a:fld>
             <a:endParaRPr lang="en-US"/>
           </a:p>
@@ -4585,7 +4590,7 @@
           <a:p>
             <a:fld id="{76A8535C-6B30-4996-8AE7-4CC1045F09FB}" type="datetimeFigureOut">
               <a:rPr lang="en-US" smtClean="0"/>
-              <a:t>11/12/2019</a:t>
+              <a:t>11/13/2019</a:t>
             </a:fld>
             <a:endParaRPr lang="en-US"/>
           </a:p>
@@ -4839,7 +4844,7 @@
           <a:p>
             <a:fld id="{76A8535C-6B30-4996-8AE7-4CC1045F09FB}" type="datetimeFigureOut">
               <a:rPr lang="en-US" smtClean="0"/>
-              <a:t>11/12/2019</a:t>
+              <a:t>11/13/2019</a:t>
             </a:fld>
             <a:endParaRPr lang="en-US"/>
           </a:p>
@@ -5101,7 +5106,7 @@
           <a:p>
             <a:fld id="{76A8535C-6B30-4996-8AE7-4CC1045F09FB}" type="datetimeFigureOut">
               <a:rPr lang="en-US" smtClean="0"/>
-              <a:t>11/12/2019</a:t>
+              <a:t>11/13/2019</a:t>
             </a:fld>
             <a:endParaRPr lang="en-US"/>
           </a:p>
@@ -5344,7 +5349,7 @@
           <a:p>
             <a:fld id="{76A8535C-6B30-4996-8AE7-4CC1045F09FB}" type="datetimeFigureOut">
               <a:rPr lang="en-US" smtClean="0"/>
-              <a:t>11/12/2019</a:t>
+              <a:t>11/13/2019</a:t>
             </a:fld>
             <a:endParaRPr lang="en-US"/>
           </a:p>
@@ -5788,7 +5793,7 @@
         </p:blipFill>
         <p:spPr>
           <a:xfrm>
-            <a:off x="6623633" y="2440306"/>
+            <a:off x="6623633" y="2480062"/>
             <a:ext cx="3474524" cy="2326301"/>
           </a:xfrm>
           <a:prstGeom prst="rect">
@@ -5849,8 +5854,8 @@
         </p:nvSpPr>
         <p:spPr>
           <a:xfrm>
-            <a:off x="1371600" y="4178407"/>
-            <a:ext cx="9448800" cy="685800"/>
+            <a:off x="1371599" y="4178406"/>
+            <a:ext cx="9534939" cy="1439699"/>
           </a:xfrm>
         </p:spPr>
         <p:txBody>
@@ -5860,15 +5865,50 @@
           <a:lstStyle/>
           <a:p>
             <a:r>
-              <a:rPr lang="en-US" sz="1400" dirty="0"/>
+              <a:rPr lang="en-US" sz="1800" dirty="0">
+                <a:solidFill>
+                  <a:srgbClr val="FF0000"/>
+                </a:solidFill>
+                <a:hlinkClick r:id="rId3">
+                  <a:extLst>
+                    <a:ext uri="{A12FA001-AC4F-418D-AE19-62706E023703}">
+                      <ahyp:hlinkClr xmlns:ahyp="http://schemas.microsoft.com/office/drawing/2018/hyperlinkcolor" val="tx"/>
+                    </a:ext>
+                  </a:extLst>
+                </a:hlinkClick>
+              </a:rPr>
+              <a:t>https://github.com/ksu-hmi/Setting-up-a-Clinical-Appointment</a:t>
+            </a:r>
+            <a:endParaRPr lang="en-US" sz="1800" dirty="0"/>
+          </a:p>
+          <a:p>
+            <a:r>
+              <a:rPr lang="en-US" sz="2400" b="1" dirty="0"/>
               <a:t>Ready…Set…Schedule!</a:t>
             </a:r>
-          </a:p>
-          <a:p>
-            <a:r>
-              <a:rPr lang="en-US" sz="1400" dirty="0"/>
-              <a:t>Coders: Neha Burse, Edwin Fomanka and Folake Sanni</a:t>
-            </a:r>
+            <a:endParaRPr lang="en-US" sz="3200" b="1" dirty="0"/>
+          </a:p>
+          <a:p>
+            <a:r>
+              <a:rPr lang="en-US" sz="2400" b="1" dirty="0"/>
+              <a:t>Coders: Neha Burse, Edwin Fomanka and </a:t>
+            </a:r>
+            <a:r>
+              <a:rPr lang="en-US" sz="2400" b="1" dirty="0" err="1"/>
+              <a:t>Folake</a:t>
+            </a:r>
+            <a:r>
+              <a:rPr lang="en-US" sz="2400" b="1" dirty="0"/>
+              <a:t> </a:t>
+            </a:r>
+            <a:r>
+              <a:rPr lang="en-US" sz="2400" b="1" dirty="0" err="1"/>
+              <a:t>Sanni</a:t>
+            </a:r>
+            <a:endParaRPr lang="en-US" sz="2400" b="1" dirty="0"/>
+          </a:p>
+          <a:p>
+            <a:endParaRPr lang="en-US" sz="1400" dirty="0"/>
           </a:p>
         </p:txBody>
       </p:sp>
